--- a/11. Алгоритм Беллмана — Форда.pptx
+++ b/11. Алгоритм Беллмана — Форда.pptx
@@ -310,7 +310,7 @@
           <a:p>
             <a:fld id="{5BCAD085-E8A6-8845-BD4E-CB4CCA059FC4}" type="datetimeFigureOut">
               <a:rPr lang="en-US" smtClean="0"/>
-              <a:t>9/5/2025</a:t>
+              <a:t>9/13/2025</a:t>
             </a:fld>
             <a:endParaRPr lang="en-US"/>
           </a:p>
@@ -478,7 +478,7 @@
           <a:p>
             <a:fld id="{5BCAD085-E8A6-8845-BD4E-CB4CCA059FC4}" type="datetimeFigureOut">
               <a:rPr lang="en-US" smtClean="0"/>
-              <a:t>9/5/2025</a:t>
+              <a:t>9/13/2025</a:t>
             </a:fld>
             <a:endParaRPr lang="en-US"/>
           </a:p>
@@ -656,7 +656,7 @@
           <a:p>
             <a:fld id="{5BCAD085-E8A6-8845-BD4E-CB4CCA059FC4}" type="datetimeFigureOut">
               <a:rPr lang="en-US" smtClean="0"/>
-              <a:t>9/5/2025</a:t>
+              <a:t>9/13/2025</a:t>
             </a:fld>
             <a:endParaRPr lang="en-US"/>
           </a:p>
@@ -824,7 +824,7 @@
           <a:p>
             <a:fld id="{5BCAD085-E8A6-8845-BD4E-CB4CCA059FC4}" type="datetimeFigureOut">
               <a:rPr lang="en-US" smtClean="0"/>
-              <a:t>9/5/2025</a:t>
+              <a:t>9/13/2025</a:t>
             </a:fld>
             <a:endParaRPr lang="en-US"/>
           </a:p>
@@ -1069,7 +1069,7 @@
           <a:p>
             <a:fld id="{5BCAD085-E8A6-8845-BD4E-CB4CCA059FC4}" type="datetimeFigureOut">
               <a:rPr lang="en-US" smtClean="0"/>
-              <a:t>9/5/2025</a:t>
+              <a:t>9/13/2025</a:t>
             </a:fld>
             <a:endParaRPr lang="en-US"/>
           </a:p>
@@ -1354,7 +1354,7 @@
           <a:p>
             <a:fld id="{5BCAD085-E8A6-8845-BD4E-CB4CCA059FC4}" type="datetimeFigureOut">
               <a:rPr lang="en-US" smtClean="0"/>
-              <a:t>9/5/2025</a:t>
+              <a:t>9/13/2025</a:t>
             </a:fld>
             <a:endParaRPr lang="en-US"/>
           </a:p>
@@ -1773,7 +1773,7 @@
           <a:p>
             <a:fld id="{5BCAD085-E8A6-8845-BD4E-CB4CCA059FC4}" type="datetimeFigureOut">
               <a:rPr lang="en-US" smtClean="0"/>
-              <a:t>9/5/2025</a:t>
+              <a:t>9/13/2025</a:t>
             </a:fld>
             <a:endParaRPr lang="en-US"/>
           </a:p>
@@ -1890,7 +1890,7 @@
           <a:p>
             <a:fld id="{5BCAD085-E8A6-8845-BD4E-CB4CCA059FC4}" type="datetimeFigureOut">
               <a:rPr lang="en-US" smtClean="0"/>
-              <a:t>9/5/2025</a:t>
+              <a:t>9/13/2025</a:t>
             </a:fld>
             <a:endParaRPr lang="en-US"/>
           </a:p>
@@ -1985,7 +1985,7 @@
           <a:p>
             <a:fld id="{5BCAD085-E8A6-8845-BD4E-CB4CCA059FC4}" type="datetimeFigureOut">
               <a:rPr lang="en-US" smtClean="0"/>
-              <a:t>9/5/2025</a:t>
+              <a:t>9/13/2025</a:t>
             </a:fld>
             <a:endParaRPr lang="en-US"/>
           </a:p>
@@ -2260,7 +2260,7 @@
           <a:p>
             <a:fld id="{5BCAD085-E8A6-8845-BD4E-CB4CCA059FC4}" type="datetimeFigureOut">
               <a:rPr lang="en-US" smtClean="0"/>
-              <a:t>9/5/2025</a:t>
+              <a:t>9/13/2025</a:t>
             </a:fld>
             <a:endParaRPr lang="en-US"/>
           </a:p>
@@ -2512,7 +2512,7 @@
           <a:p>
             <a:fld id="{5BCAD085-E8A6-8845-BD4E-CB4CCA059FC4}" type="datetimeFigureOut">
               <a:rPr lang="en-US" smtClean="0"/>
-              <a:t>9/5/2025</a:t>
+              <a:t>9/13/2025</a:t>
             </a:fld>
             <a:endParaRPr lang="en-US"/>
           </a:p>
@@ -2723,7 +2723,7 @@
           <a:p>
             <a:fld id="{5BCAD085-E8A6-8845-BD4E-CB4CCA059FC4}" type="datetimeFigureOut">
               <a:rPr lang="en-US" smtClean="0"/>
-              <a:t>9/5/2025</a:t>
+              <a:t>9/13/2025</a:t>
             </a:fld>
             <a:endParaRPr lang="en-US"/>
           </a:p>
@@ -9055,6 +9055,59 @@
               </a:rPr>
               <a:t>)</a:t>
             </a:r>
+          </a:p>
+        </p:txBody>
+      </p:sp>
+      <p:sp>
+        <p:nvSpPr>
+          <p:cNvPr id="5" name="TextBox 4">
+            <a:hlinkClick r:id="rId2"/>
+            <a:extLst>
+              <a:ext uri="{FF2B5EF4-FFF2-40B4-BE49-F238E27FC236}">
+                <a16:creationId xmlns:a16="http://schemas.microsoft.com/office/drawing/2014/main" id="{9DF7E307-04C1-48D8-4F7B-AC2081F4543F}"/>
+              </a:ext>
+            </a:extLst>
+          </p:cNvPr>
+          <p:cNvSpPr txBox="1"/>
+          <p:nvPr/>
+        </p:nvSpPr>
+        <p:spPr>
+          <a:xfrm>
+            <a:off x="352865" y="7086264"/>
+            <a:ext cx="2514346" cy="523220"/>
+          </a:xfrm>
+          <a:prstGeom prst="rect">
+            <a:avLst/>
+          </a:prstGeom>
+          <a:noFill/>
+        </p:spPr>
+        <p:txBody>
+          <a:bodyPr wrap="square">
+            <a:spAutoFit/>
+          </a:bodyPr>
+          <a:lstStyle/>
+          <a:p>
+            <a:pPr algn="l">
+              <a:defRPr sz="2800">
+                <a:solidFill>
+                  <a:srgbClr val="FFFFFF"/>
+                </a:solidFill>
+              </a:defRPr>
+            </a:pPr>
+            <a:r>
+              <a:rPr lang="ru-RU" dirty="0">
+                <a:solidFill>
+                  <a:schemeClr val="bg1"/>
+                </a:solidFill>
+                <a:hlinkClick r:id="rId3"/>
+              </a:rPr>
+              <a:t>Задача</a:t>
+            </a:r>
+            <a:endParaRPr dirty="0">
+              <a:solidFill>
+                <a:schemeClr val="bg1"/>
+              </a:solidFill>
+            </a:endParaRPr>
           </a:p>
         </p:txBody>
       </p:sp>
